--- a/Slides_8.pptx
+++ b/Slides_8.pptx
@@ -105,6 +105,11 @@
       </a:defRPr>
     </a:lvl9pPr>
   </p:defaultTextStyle>
+  <p:extLst>
+    <p:ext uri="{EFAFB233-063F-42B5-8137-9DF3F51BA10A}">
+      <p15:sldGuideLst xmlns:p15="http://schemas.microsoft.com/office/powerpoint/2012/main"/>
+    </p:ext>
+  </p:extLst>
 </p:presentation>
 </file>
 
@@ -255,7 +260,7 @@
           <a:p>
             <a:fld id="{1D3F3A07-AA81-4615-9C76-01D7911092B6}" type="datetimeFigureOut">
               <a:rPr lang="en-US" smtClean="0"/>
-              <a:t>2/14/2023</a:t>
+              <a:t>2/15/2023</a:t>
             </a:fld>
             <a:endParaRPr lang="en-US"/>
           </a:p>
@@ -453,7 +458,7 @@
           <a:p>
             <a:fld id="{1D3F3A07-AA81-4615-9C76-01D7911092B6}" type="datetimeFigureOut">
               <a:rPr lang="en-US" smtClean="0"/>
-              <a:t>2/14/2023</a:t>
+              <a:t>2/15/2023</a:t>
             </a:fld>
             <a:endParaRPr lang="en-US"/>
           </a:p>
@@ -661,7 +666,7 @@
           <a:p>
             <a:fld id="{1D3F3A07-AA81-4615-9C76-01D7911092B6}" type="datetimeFigureOut">
               <a:rPr lang="en-US" smtClean="0"/>
-              <a:t>2/14/2023</a:t>
+              <a:t>2/15/2023</a:t>
             </a:fld>
             <a:endParaRPr lang="en-US"/>
           </a:p>
@@ -859,7 +864,7 @@
           <a:p>
             <a:fld id="{1D3F3A07-AA81-4615-9C76-01D7911092B6}" type="datetimeFigureOut">
               <a:rPr lang="en-US" smtClean="0"/>
-              <a:t>2/14/2023</a:t>
+              <a:t>2/15/2023</a:t>
             </a:fld>
             <a:endParaRPr lang="en-US"/>
           </a:p>
@@ -1134,7 +1139,7 @@
           <a:p>
             <a:fld id="{1D3F3A07-AA81-4615-9C76-01D7911092B6}" type="datetimeFigureOut">
               <a:rPr lang="en-US" smtClean="0"/>
-              <a:t>2/14/2023</a:t>
+              <a:t>2/15/2023</a:t>
             </a:fld>
             <a:endParaRPr lang="en-US"/>
           </a:p>
@@ -1399,7 +1404,7 @@
           <a:p>
             <a:fld id="{1D3F3A07-AA81-4615-9C76-01D7911092B6}" type="datetimeFigureOut">
               <a:rPr lang="en-US" smtClean="0"/>
-              <a:t>2/14/2023</a:t>
+              <a:t>2/15/2023</a:t>
             </a:fld>
             <a:endParaRPr lang="en-US"/>
           </a:p>
@@ -1811,7 +1816,7 @@
           <a:p>
             <a:fld id="{1D3F3A07-AA81-4615-9C76-01D7911092B6}" type="datetimeFigureOut">
               <a:rPr lang="en-US" smtClean="0"/>
-              <a:t>2/14/2023</a:t>
+              <a:t>2/15/2023</a:t>
             </a:fld>
             <a:endParaRPr lang="en-US"/>
           </a:p>
@@ -1952,7 +1957,7 @@
           <a:p>
             <a:fld id="{1D3F3A07-AA81-4615-9C76-01D7911092B6}" type="datetimeFigureOut">
               <a:rPr lang="en-US" smtClean="0"/>
-              <a:t>2/14/2023</a:t>
+              <a:t>2/15/2023</a:t>
             </a:fld>
             <a:endParaRPr lang="en-US"/>
           </a:p>
@@ -2065,7 +2070,7 @@
           <a:p>
             <a:fld id="{1D3F3A07-AA81-4615-9C76-01D7911092B6}" type="datetimeFigureOut">
               <a:rPr lang="en-US" smtClean="0"/>
-              <a:t>2/14/2023</a:t>
+              <a:t>2/15/2023</a:t>
             </a:fld>
             <a:endParaRPr lang="en-US"/>
           </a:p>
@@ -2376,7 +2381,7 @@
           <a:p>
             <a:fld id="{1D3F3A07-AA81-4615-9C76-01D7911092B6}" type="datetimeFigureOut">
               <a:rPr lang="en-US" smtClean="0"/>
-              <a:t>2/14/2023</a:t>
+              <a:t>2/15/2023</a:t>
             </a:fld>
             <a:endParaRPr lang="en-US"/>
           </a:p>
@@ -2664,7 +2669,7 @@
           <a:p>
             <a:fld id="{1D3F3A07-AA81-4615-9C76-01D7911092B6}" type="datetimeFigureOut">
               <a:rPr lang="en-US" smtClean="0"/>
-              <a:t>2/14/2023</a:t>
+              <a:t>2/15/2023</a:t>
             </a:fld>
             <a:endParaRPr lang="en-US"/>
           </a:p>
@@ -2905,7 +2910,7 @@
           <a:p>
             <a:fld id="{1D3F3A07-AA81-4615-9C76-01D7911092B6}" type="datetimeFigureOut">
               <a:rPr lang="en-US" smtClean="0"/>
-              <a:t>2/14/2023</a:t>
+              <a:t>2/15/2023</a:t>
             </a:fld>
             <a:endParaRPr lang="en-US"/>
           </a:p>
@@ -3426,6 +3431,210 @@
           <a:chExt cx="0" cy="0"/>
         </a:xfrm>
       </p:grpSpPr>
+      <p:sp>
+        <p:nvSpPr>
+          <p:cNvPr id="4" name="Title 3">
+            <a:extLst>
+              <a:ext uri="{FF2B5EF4-FFF2-40B4-BE49-F238E27FC236}">
+                <a16:creationId xmlns:a16="http://schemas.microsoft.com/office/drawing/2014/main" id="{05C4E1D1-F2B4-1536-935B-4E948B7EB60E}"/>
+              </a:ext>
+            </a:extLst>
+          </p:cNvPr>
+          <p:cNvSpPr>
+            <a:spLocks noGrp="1"/>
+          </p:cNvSpPr>
+          <p:nvPr>
+            <p:ph type="title"/>
+          </p:nvPr>
+        </p:nvSpPr>
+        <p:spPr/>
+        <p:txBody>
+          <a:bodyPr/>
+          <a:lstStyle/>
+          <a:p>
+            <a:r>
+              <a:rPr lang="en-US" dirty="0"/>
+              <a:t>Autoencoder</a:t>
+            </a:r>
+          </a:p>
+        </p:txBody>
+      </p:sp>
+      <p:pic>
+        <p:nvPicPr>
+          <p:cNvPr id="7" name="Content Placeholder 6">
+            <a:extLst>
+              <a:ext uri="{FF2B5EF4-FFF2-40B4-BE49-F238E27FC236}">
+                <a16:creationId xmlns:a16="http://schemas.microsoft.com/office/drawing/2014/main" id="{5C0D7502-D41C-ADEC-6572-7D5D0D02C22B}"/>
+              </a:ext>
+            </a:extLst>
+          </p:cNvPr>
+          <p:cNvPicPr>
+            <a:picLocks noGrp="1" noChangeAspect="1"/>
+          </p:cNvPicPr>
+          <p:nvPr>
+            <p:ph idx="1"/>
+          </p:nvPr>
+        </p:nvPicPr>
+        <p:blipFill>
+          <a:blip r:embed="rId2">
+            <a:extLst>
+              <a:ext uri="{28A0092B-C50C-407E-A947-70E740481C1C}">
+                <a14:useLocalDpi xmlns:a14="http://schemas.microsoft.com/office/drawing/2010/main" val="0"/>
+              </a:ext>
+              <a:ext uri="{96DAC541-7B7A-43D3-8B79-37D633B846F1}">
+                <asvg:svgBlip xmlns:asvg="http://schemas.microsoft.com/office/drawing/2016/SVG/main" r:embed="rId3"/>
+              </a:ext>
+            </a:extLst>
+          </a:blip>
+          <a:stretch>
+            <a:fillRect/>
+          </a:stretch>
+        </p:blipFill>
+        <p:spPr>
+          <a:xfrm>
+            <a:off x="4267977" y="1825624"/>
+            <a:ext cx="3656044" cy="4351338"/>
+          </a:xfrm>
+        </p:spPr>
+      </p:pic>
+      <p:pic>
+        <p:nvPicPr>
+          <p:cNvPr id="11" name="Picture 10" descr="A picture containing text, person, dress&#10;&#10;Description automatically generated">
+            <a:extLst>
+              <a:ext uri="{FF2B5EF4-FFF2-40B4-BE49-F238E27FC236}">
+                <a16:creationId xmlns:a16="http://schemas.microsoft.com/office/drawing/2014/main" id="{E4A6013C-07D3-4AA3-C181-CC5E02A157B8}"/>
+              </a:ext>
+            </a:extLst>
+          </p:cNvPr>
+          <p:cNvPicPr>
+            <a:picLocks noChangeAspect="1"/>
+          </p:cNvPicPr>
+          <p:nvPr/>
+        </p:nvPicPr>
+        <p:blipFill>
+          <a:blip r:embed="rId4">
+            <a:extLst>
+              <a:ext uri="{28A0092B-C50C-407E-A947-70E740481C1C}">
+                <a14:useLocalDpi xmlns:a14="http://schemas.microsoft.com/office/drawing/2010/main" val="0"/>
+              </a:ext>
+            </a:extLst>
+          </a:blip>
+          <a:stretch>
+            <a:fillRect/>
+          </a:stretch>
+        </p:blipFill>
+        <p:spPr>
+          <a:xfrm>
+            <a:off x="838200" y="2042216"/>
+            <a:ext cx="2628684" cy="3918155"/>
+          </a:xfrm>
+          <a:prstGeom prst="rect">
+            <a:avLst/>
+          </a:prstGeom>
+        </p:spPr>
+      </p:pic>
+      <p:pic>
+        <p:nvPicPr>
+          <p:cNvPr id="15" name="Picture 14">
+            <a:extLst>
+              <a:ext uri="{FF2B5EF4-FFF2-40B4-BE49-F238E27FC236}">
+                <a16:creationId xmlns:a16="http://schemas.microsoft.com/office/drawing/2014/main" id="{1B9A6CC6-4A49-59E1-56C2-2C438BD81514}"/>
+              </a:ext>
+            </a:extLst>
+          </p:cNvPr>
+          <p:cNvPicPr>
+            <a:picLocks noChangeAspect="1"/>
+          </p:cNvPicPr>
+          <p:nvPr/>
+        </p:nvPicPr>
+        <p:blipFill>
+          <a:blip r:embed="rId5"/>
+          <a:stretch>
+            <a:fillRect/>
+          </a:stretch>
+        </p:blipFill>
+        <p:spPr>
+          <a:xfrm>
+            <a:off x="5763142" y="2042216"/>
+            <a:ext cx="665715" cy="951020"/>
+          </a:xfrm>
+          <a:prstGeom prst="rect">
+            <a:avLst/>
+          </a:prstGeom>
+        </p:spPr>
+      </p:pic>
+      <p:cxnSp>
+        <p:nvCxnSpPr>
+          <p:cNvPr id="17" name="Straight Arrow Connector 16">
+            <a:extLst>
+              <a:ext uri="{FF2B5EF4-FFF2-40B4-BE49-F238E27FC236}">
+                <a16:creationId xmlns:a16="http://schemas.microsoft.com/office/drawing/2014/main" id="{58C8CCBC-F388-0667-F4FD-1FDCBB1A78BB}"/>
+              </a:ext>
+            </a:extLst>
+          </p:cNvPr>
+          <p:cNvCxnSpPr>
+            <a:cxnSpLocks/>
+            <a:stCxn id="15" idx="2"/>
+          </p:cNvCxnSpPr>
+          <p:nvPr/>
+        </p:nvCxnSpPr>
+        <p:spPr>
+          <a:xfrm flipH="1">
+            <a:off x="6095999" y="2993236"/>
+            <a:ext cx="1" cy="435764"/>
+          </a:xfrm>
+          <a:prstGeom prst="straightConnector1">
+            <a:avLst/>
+          </a:prstGeom>
+          <a:ln w="76200">
+            <a:tailEnd type="triangle"/>
+          </a:ln>
+        </p:spPr>
+        <p:style>
+          <a:lnRef idx="1">
+            <a:schemeClr val="accent1"/>
+          </a:lnRef>
+          <a:fillRef idx="0">
+            <a:schemeClr val="accent1"/>
+          </a:fillRef>
+          <a:effectRef idx="0">
+            <a:schemeClr val="accent1"/>
+          </a:effectRef>
+          <a:fontRef idx="minor">
+            <a:schemeClr val="tx1"/>
+          </a:fontRef>
+        </p:style>
+      </p:cxnSp>
+      <p:pic>
+        <p:nvPicPr>
+          <p:cNvPr id="21" name="Picture 20">
+            <a:extLst>
+              <a:ext uri="{FF2B5EF4-FFF2-40B4-BE49-F238E27FC236}">
+                <a16:creationId xmlns:a16="http://schemas.microsoft.com/office/drawing/2014/main" id="{AEE07F4E-82C8-0D07-E8E2-62121B8404FD}"/>
+              </a:ext>
+            </a:extLst>
+          </p:cNvPr>
+          <p:cNvPicPr>
+            <a:picLocks noChangeAspect="1"/>
+          </p:cNvPicPr>
+          <p:nvPr/>
+        </p:nvPicPr>
+        <p:blipFill>
+          <a:blip r:embed="rId6"/>
+          <a:stretch>
+            <a:fillRect/>
+          </a:stretch>
+        </p:blipFill>
+        <p:spPr>
+          <a:xfrm>
+            <a:off x="8725114" y="2042216"/>
+            <a:ext cx="2628684" cy="3918155"/>
+          </a:xfrm>
+          <a:prstGeom prst="rect">
+            <a:avLst/>
+          </a:prstGeom>
+        </p:spPr>
+      </p:pic>
     </p:spTree>
     <p:extLst>
       <p:ext uri="{BB962C8B-B14F-4D97-AF65-F5344CB8AC3E}">

--- a/Slides_8.pptx
+++ b/Slides_8.pptx
@@ -3431,6 +3431,42 @@
           <a:chExt cx="0" cy="0"/>
         </a:xfrm>
       </p:grpSpPr>
+      <p:pic>
+        <p:nvPicPr>
+          <p:cNvPr id="22" name="Picture 21" descr="A picture containing text, person, dress&#10;&#10;Description automatically generated">
+            <a:extLst>
+              <a:ext uri="{FF2B5EF4-FFF2-40B4-BE49-F238E27FC236}">
+                <a16:creationId xmlns:a16="http://schemas.microsoft.com/office/drawing/2014/main" id="{99B99229-1022-940D-7BEC-5543114159CE}"/>
+              </a:ext>
+            </a:extLst>
+          </p:cNvPr>
+          <p:cNvPicPr>
+            <a:picLocks noChangeAspect="1"/>
+          </p:cNvPicPr>
+          <p:nvPr/>
+        </p:nvPicPr>
+        <p:blipFill>
+          <a:blip r:embed="rId2">
+            <a:extLst>
+              <a:ext uri="{28A0092B-C50C-407E-A947-70E740481C1C}">
+                <a14:useLocalDpi xmlns:a14="http://schemas.microsoft.com/office/drawing/2010/main" val="0"/>
+              </a:ext>
+            </a:extLst>
+          </a:blip>
+          <a:stretch>
+            <a:fillRect/>
+          </a:stretch>
+        </p:blipFill>
+        <p:spPr>
+          <a:xfrm>
+            <a:off x="8725114" y="2042216"/>
+            <a:ext cx="2628684" cy="3918155"/>
+          </a:xfrm>
+          <a:prstGeom prst="rect">
+            <a:avLst/>
+          </a:prstGeom>
+        </p:spPr>
+      </p:pic>
       <p:sp>
         <p:nvSpPr>
           <p:cNvPr id="4" name="Title 3">
@@ -3476,13 +3512,13 @@
           </p:nvPr>
         </p:nvPicPr>
         <p:blipFill>
-          <a:blip r:embed="rId2">
+          <a:blip r:embed="rId3">
             <a:extLst>
               <a:ext uri="{28A0092B-C50C-407E-A947-70E740481C1C}">
                 <a14:useLocalDpi xmlns:a14="http://schemas.microsoft.com/office/drawing/2010/main" val="0"/>
               </a:ext>
               <a:ext uri="{96DAC541-7B7A-43D3-8B79-37D633B846F1}">
-                <asvg:svgBlip xmlns:asvg="http://schemas.microsoft.com/office/drawing/2016/SVG/main" r:embed="rId3"/>
+                <asvg:svgBlip xmlns:asvg="http://schemas.microsoft.com/office/drawing/2016/SVG/main" r:embed="rId4"/>
               </a:ext>
             </a:extLst>
           </a:blip>
@@ -3512,7 +3548,7 @@
           <p:nvPr/>
         </p:nvPicPr>
         <p:blipFill>
-          <a:blip r:embed="rId4">
+          <a:blip r:embed="rId2">
             <a:extLst>
               <a:ext uri="{28A0092B-C50C-407E-A947-70E740481C1C}">
                 <a14:useLocalDpi xmlns:a14="http://schemas.microsoft.com/office/drawing/2010/main" val="0"/>
@@ -3645,6 +3681,274 @@
   <p:clrMapOvr>
     <a:masterClrMapping/>
   </p:clrMapOvr>
+  <p:timing>
+    <p:tnLst>
+      <p:par>
+        <p:cTn id="1" dur="indefinite" restart="never" nodeType="tmRoot">
+          <p:childTnLst>
+            <p:seq concurrent="1" nextAc="seek">
+              <p:cTn id="2" dur="indefinite" nodeType="mainSeq">
+                <p:childTnLst>
+                  <p:par>
+                    <p:cTn id="3" fill="hold">
+                      <p:stCondLst>
+                        <p:cond delay="indefinite"/>
+                      </p:stCondLst>
+                      <p:childTnLst>
+                        <p:par>
+                          <p:cTn id="4" fill="hold">
+                            <p:stCondLst>
+                              <p:cond delay="0"/>
+                            </p:stCondLst>
+                            <p:childTnLst>
+                              <p:par>
+                                <p:cTn id="5" presetID="10" presetClass="entr" presetSubtype="0" fill="hold" nodeType="clickEffect">
+                                  <p:stCondLst>
+                                    <p:cond delay="0"/>
+                                  </p:stCondLst>
+                                  <p:childTnLst>
+                                    <p:set>
+                                      <p:cBhvr>
+                                        <p:cTn id="6" dur="1" fill="hold">
+                                          <p:stCondLst>
+                                            <p:cond delay="0"/>
+                                          </p:stCondLst>
+                                        </p:cTn>
+                                        <p:tgtEl>
+                                          <p:spTgt spid="11"/>
+                                        </p:tgtEl>
+                                        <p:attrNameLst>
+                                          <p:attrName>style.visibility</p:attrName>
+                                        </p:attrNameLst>
+                                      </p:cBhvr>
+                                      <p:to>
+                                        <p:strVal val="visible"/>
+                                      </p:to>
+                                    </p:set>
+                                    <p:animEffect transition="in" filter="fade">
+                                      <p:cBhvr>
+                                        <p:cTn id="7" dur="500"/>
+                                        <p:tgtEl>
+                                          <p:spTgt spid="11"/>
+                                        </p:tgtEl>
+                                      </p:cBhvr>
+                                    </p:animEffect>
+                                  </p:childTnLst>
+                                </p:cTn>
+                              </p:par>
+                            </p:childTnLst>
+                          </p:cTn>
+                        </p:par>
+                        <p:par>
+                          <p:cTn id="8" fill="hold">
+                            <p:stCondLst>
+                              <p:cond delay="500"/>
+                            </p:stCondLst>
+                            <p:childTnLst>
+                              <p:par>
+                                <p:cTn id="9" presetID="10" presetClass="entr" presetSubtype="0" fill="hold" nodeType="afterEffect">
+                                  <p:stCondLst>
+                                    <p:cond delay="0"/>
+                                  </p:stCondLst>
+                                  <p:childTnLst>
+                                    <p:set>
+                                      <p:cBhvr>
+                                        <p:cTn id="10" dur="1" fill="hold">
+                                          <p:stCondLst>
+                                            <p:cond delay="0"/>
+                                          </p:stCondLst>
+                                        </p:cTn>
+                                        <p:tgtEl>
+                                          <p:spTgt spid="21"/>
+                                        </p:tgtEl>
+                                        <p:attrNameLst>
+                                          <p:attrName>style.visibility</p:attrName>
+                                        </p:attrNameLst>
+                                      </p:cBhvr>
+                                      <p:to>
+                                        <p:strVal val="visible"/>
+                                      </p:to>
+                                    </p:set>
+                                    <p:animEffect transition="in" filter="fade">
+                                      <p:cBhvr>
+                                        <p:cTn id="11" dur="500"/>
+                                        <p:tgtEl>
+                                          <p:spTgt spid="21"/>
+                                        </p:tgtEl>
+                                      </p:cBhvr>
+                                    </p:animEffect>
+                                  </p:childTnLst>
+                                </p:cTn>
+                              </p:par>
+                            </p:childTnLst>
+                          </p:cTn>
+                        </p:par>
+                      </p:childTnLst>
+                    </p:cTn>
+                  </p:par>
+                  <p:par>
+                    <p:cTn id="12" fill="hold">
+                      <p:stCondLst>
+                        <p:cond delay="indefinite"/>
+                      </p:stCondLst>
+                      <p:childTnLst>
+                        <p:par>
+                          <p:cTn id="13" fill="hold">
+                            <p:stCondLst>
+                              <p:cond delay="0"/>
+                            </p:stCondLst>
+                            <p:childTnLst>
+                              <p:par>
+                                <p:cTn id="14" presetID="10" presetClass="entr" presetSubtype="0" fill="hold" nodeType="clickEffect">
+                                  <p:stCondLst>
+                                    <p:cond delay="0"/>
+                                  </p:stCondLst>
+                                  <p:childTnLst>
+                                    <p:set>
+                                      <p:cBhvr>
+                                        <p:cTn id="15" dur="1" fill="hold">
+                                          <p:stCondLst>
+                                            <p:cond delay="0"/>
+                                          </p:stCondLst>
+                                        </p:cTn>
+                                        <p:tgtEl>
+                                          <p:spTgt spid="17"/>
+                                        </p:tgtEl>
+                                        <p:attrNameLst>
+                                          <p:attrName>style.visibility</p:attrName>
+                                        </p:attrNameLst>
+                                      </p:cBhvr>
+                                      <p:to>
+                                        <p:strVal val="visible"/>
+                                      </p:to>
+                                    </p:set>
+                                    <p:animEffect transition="in" filter="fade">
+                                      <p:cBhvr>
+                                        <p:cTn id="16" dur="500"/>
+                                        <p:tgtEl>
+                                          <p:spTgt spid="17"/>
+                                        </p:tgtEl>
+                                      </p:cBhvr>
+                                    </p:animEffect>
+                                  </p:childTnLst>
+                                </p:cTn>
+                              </p:par>
+                              <p:par>
+                                <p:cTn id="17" presetID="10" presetClass="entr" presetSubtype="0" fill="hold" nodeType="withEffect">
+                                  <p:stCondLst>
+                                    <p:cond delay="0"/>
+                                  </p:stCondLst>
+                                  <p:childTnLst>
+                                    <p:set>
+                                      <p:cBhvr>
+                                        <p:cTn id="18" dur="1" fill="hold">
+                                          <p:stCondLst>
+                                            <p:cond delay="0"/>
+                                          </p:stCondLst>
+                                        </p:cTn>
+                                        <p:tgtEl>
+                                          <p:spTgt spid="15"/>
+                                        </p:tgtEl>
+                                        <p:attrNameLst>
+                                          <p:attrName>style.visibility</p:attrName>
+                                        </p:attrNameLst>
+                                      </p:cBhvr>
+                                      <p:to>
+                                        <p:strVal val="visible"/>
+                                      </p:to>
+                                    </p:set>
+                                    <p:animEffect transition="in" filter="fade">
+                                      <p:cBhvr>
+                                        <p:cTn id="19" dur="500"/>
+                                        <p:tgtEl>
+                                          <p:spTgt spid="15"/>
+                                        </p:tgtEl>
+                                      </p:cBhvr>
+                                    </p:animEffect>
+                                  </p:childTnLst>
+                                </p:cTn>
+                              </p:par>
+                            </p:childTnLst>
+                          </p:cTn>
+                        </p:par>
+                      </p:childTnLst>
+                    </p:cTn>
+                  </p:par>
+                  <p:par>
+                    <p:cTn id="20" fill="hold">
+                      <p:stCondLst>
+                        <p:cond delay="indefinite"/>
+                      </p:stCondLst>
+                      <p:childTnLst>
+                        <p:par>
+                          <p:cTn id="21" fill="hold">
+                            <p:stCondLst>
+                              <p:cond delay="0"/>
+                            </p:stCondLst>
+                            <p:childTnLst>
+                              <p:par>
+                                <p:cTn id="22" presetID="10" presetClass="entr" presetSubtype="0" fill="hold" nodeType="clickEffect">
+                                  <p:stCondLst>
+                                    <p:cond delay="0"/>
+                                  </p:stCondLst>
+                                  <p:childTnLst>
+                                    <p:set>
+                                      <p:cBhvr>
+                                        <p:cTn id="23" dur="1" fill="hold">
+                                          <p:stCondLst>
+                                            <p:cond delay="0"/>
+                                          </p:stCondLst>
+                                        </p:cTn>
+                                        <p:tgtEl>
+                                          <p:spTgt spid="22"/>
+                                        </p:tgtEl>
+                                        <p:attrNameLst>
+                                          <p:attrName>style.visibility</p:attrName>
+                                        </p:attrNameLst>
+                                      </p:cBhvr>
+                                      <p:to>
+                                        <p:strVal val="visible"/>
+                                      </p:to>
+                                    </p:set>
+                                    <p:animEffect transition="in" filter="fade">
+                                      <p:cBhvr>
+                                        <p:cTn id="24" dur="500"/>
+                                        <p:tgtEl>
+                                          <p:spTgt spid="22"/>
+                                        </p:tgtEl>
+                                      </p:cBhvr>
+                                    </p:animEffect>
+                                  </p:childTnLst>
+                                </p:cTn>
+                              </p:par>
+                            </p:childTnLst>
+                          </p:cTn>
+                        </p:par>
+                      </p:childTnLst>
+                    </p:cTn>
+                  </p:par>
+                </p:childTnLst>
+              </p:cTn>
+              <p:prevCondLst>
+                <p:cond evt="onPrev" delay="0">
+                  <p:tgtEl>
+                    <p:sldTgt/>
+                  </p:tgtEl>
+                </p:cond>
+              </p:prevCondLst>
+              <p:nextCondLst>
+                <p:cond evt="onNext" delay="0">
+                  <p:tgtEl>
+                    <p:sldTgt/>
+                  </p:tgtEl>
+                </p:cond>
+              </p:nextCondLst>
+            </p:seq>
+          </p:childTnLst>
+        </p:cTn>
+      </p:par>
+    </p:tnLst>
+  </p:timing>
 </p:sld>
 </file>
 
